--- a/mtpy/tstools/manual/Presentation1.pptx
+++ b/mtpy/tstools/manual/Presentation1.pptx
@@ -5,10 +5,11 @@
     <p:sldMasterId id="2147483648" r:id="rId1"/>
   </p:sldMasterIdLst>
   <p:sldIdLst>
-    <p:sldId id="256" r:id="rId2"/>
-    <p:sldId id="257" r:id="rId3"/>
-    <p:sldId id="258" r:id="rId4"/>
-    <p:sldId id="259" r:id="rId5"/>
+    <p:sldId id="260" r:id="rId2"/>
+    <p:sldId id="256" r:id="rId3"/>
+    <p:sldId id="257" r:id="rId4"/>
+    <p:sldId id="258" r:id="rId5"/>
+    <p:sldId id="259" r:id="rId6"/>
   </p:sldIdLst>
   <p:sldSz cx="9144000" cy="6858000" type="screen4x3"/>
   <p:notesSz cx="6858000" cy="9144000"/>
@@ -3100,7 +3101,7 @@
       </p:grpSpPr>
       <p:pic>
         <p:nvPicPr>
-          <p:cNvPr id="1026" name="Picture 2"/>
+          <p:cNvPr id="5123" name="Picture 3"/>
           <p:cNvPicPr>
             <a:picLocks noChangeAspect="1" noChangeArrowheads="1"/>
           </p:cNvPicPr>
@@ -3121,8 +3122,8 @@
         </p:blipFill>
         <p:spPr bwMode="auto">
           <a:xfrm>
-            <a:off x="467544" y="836712"/>
-            <a:ext cx="8010525" cy="5148263"/>
+            <a:off x="0" y="548680"/>
+            <a:ext cx="9144000" cy="5462588"/>
           </a:xfrm>
           <a:prstGeom prst="rect">
             <a:avLst/>
@@ -3154,6 +3155,175 @@
       </p:pic>
       <p:cxnSp>
         <p:nvCxnSpPr>
+          <p:cNvPr id="6" name="Straight Arrow Connector 5"/>
+          <p:cNvCxnSpPr>
+            <a:stCxn id="7" idx="2"/>
+          </p:cNvCxnSpPr>
+          <p:nvPr/>
+        </p:nvCxnSpPr>
+        <p:spPr>
+          <a:xfrm>
+            <a:off x="8141520" y="476672"/>
+            <a:ext cx="0" cy="288032"/>
+          </a:xfrm>
+          <a:prstGeom prst="straightConnector1">
+            <a:avLst/>
+          </a:prstGeom>
+          <a:ln w="28575">
+            <a:tailEnd type="arrow"/>
+          </a:ln>
+        </p:spPr>
+        <p:style>
+          <a:lnRef idx="1">
+            <a:schemeClr val="accent2"/>
+          </a:lnRef>
+          <a:fillRef idx="0">
+            <a:schemeClr val="accent2"/>
+          </a:fillRef>
+          <a:effectRef idx="0">
+            <a:schemeClr val="accent2"/>
+          </a:effectRef>
+          <a:fontRef idx="minor">
+            <a:schemeClr val="tx1"/>
+          </a:fontRef>
+        </p:style>
+      </p:cxnSp>
+      <p:sp>
+        <p:nvSpPr>
+          <p:cNvPr id="7" name="TextBox 6"/>
+          <p:cNvSpPr txBox="1"/>
+          <p:nvPr/>
+        </p:nvSpPr>
+        <p:spPr>
+          <a:xfrm>
+            <a:off x="7398368" y="107340"/>
+            <a:ext cx="1486304" cy="369332"/>
+          </a:xfrm>
+          <a:prstGeom prst="rect">
+            <a:avLst/>
+          </a:prstGeom>
+        </p:spPr>
+        <p:style>
+          <a:lnRef idx="1">
+            <a:schemeClr val="accent2"/>
+          </a:lnRef>
+          <a:fillRef idx="3">
+            <a:schemeClr val="accent2"/>
+          </a:fillRef>
+          <a:effectRef idx="2">
+            <a:schemeClr val="accent2"/>
+          </a:effectRef>
+          <a:fontRef idx="minor">
+            <a:schemeClr val="lt1"/>
+          </a:fontRef>
+        </p:style>
+        <p:txBody>
+          <a:bodyPr wrap="none" rtlCol="0">
+            <a:spAutoFit/>
+          </a:bodyPr>
+          <a:lstStyle/>
+          <a:p>
+            <a:r>
+              <a:rPr lang="en-AU" dirty="0" smtClean="0"/>
+              <a:t>Open </a:t>
+            </a:r>
+            <a:r>
+              <a:rPr lang="en-AU" dirty="0" err="1" smtClean="0"/>
+              <a:t>asdf</a:t>
+            </a:r>
+            <a:r>
+              <a:rPr lang="en-AU" dirty="0" smtClean="0"/>
+              <a:t> file</a:t>
+            </a:r>
+          </a:p>
+        </p:txBody>
+      </p:sp>
+    </p:spTree>
+    <p:extLst>
+      <p:ext uri="{BB962C8B-B14F-4D97-AF65-F5344CB8AC3E}">
+        <p14:creationId xmlns:p14="http://schemas.microsoft.com/office/powerpoint/2010/main" val="503408855"/>
+      </p:ext>
+    </p:extLst>
+  </p:cSld>
+  <p:clrMapOvr>
+    <a:masterClrMapping/>
+  </p:clrMapOvr>
+</p:sld>
+</file>
+
+<file path=ppt/slides/slide2.xml><?xml version="1.0" encoding="utf-8"?>
+<p:sld xmlns:a="http://schemas.openxmlformats.org/drawingml/2006/main" xmlns:r="http://schemas.openxmlformats.org/officeDocument/2006/relationships" xmlns:p="http://schemas.openxmlformats.org/presentationml/2006/main">
+  <p:cSld>
+    <p:spTree>
+      <p:nvGrpSpPr>
+        <p:cNvPr id="1" name=""/>
+        <p:cNvGrpSpPr/>
+        <p:nvPr/>
+      </p:nvGrpSpPr>
+      <p:grpSpPr>
+        <a:xfrm>
+          <a:off x="0" y="0"/>
+          <a:ext cx="0" cy="0"/>
+          <a:chOff x="0" y="0"/>
+          <a:chExt cx="0" cy="0"/>
+        </a:xfrm>
+      </p:grpSpPr>
+      <p:pic>
+        <p:nvPicPr>
+          <p:cNvPr id="1026" name="Picture 2"/>
+          <p:cNvPicPr>
+            <a:picLocks noChangeAspect="1" noChangeArrowheads="1"/>
+          </p:cNvPicPr>
+          <p:nvPr/>
+        </p:nvPicPr>
+        <p:blipFill>
+          <a:blip r:embed="rId2">
+            <a:extLst>
+              <a:ext uri="{28A0092B-C50C-407E-A947-70E740481C1C}">
+                <a14:useLocalDpi xmlns:a14="http://schemas.microsoft.com/office/drawing/2010/main" val="0"/>
+              </a:ext>
+            </a:extLst>
+          </a:blip>
+          <a:srcRect/>
+          <a:stretch>
+            <a:fillRect/>
+          </a:stretch>
+        </p:blipFill>
+        <p:spPr bwMode="auto">
+          <a:xfrm>
+            <a:off x="467544" y="836712"/>
+            <a:ext cx="8010525" cy="5148263"/>
+          </a:xfrm>
+          <a:prstGeom prst="rect">
+            <a:avLst/>
+          </a:prstGeom>
+          <a:noFill/>
+          <a:ln>
+            <a:noFill/>
+          </a:ln>
+          <a:extLst>
+            <a:ext uri="{909E8E84-426E-40DD-AFC4-6F175D3DCCD1}">
+              <a14:hiddenFill xmlns:a14="http://schemas.microsoft.com/office/drawing/2010/main">
+                <a:solidFill>
+                  <a:schemeClr val="accent1"/>
+                </a:solidFill>
+              </a14:hiddenFill>
+            </a:ext>
+            <a:ext uri="{91240B29-F687-4F45-9708-019B960494DF}">
+              <a14:hiddenLine xmlns:a14="http://schemas.microsoft.com/office/drawing/2010/main" w="9525">
+                <a:solidFill>
+                  <a:schemeClr val="tx1"/>
+                </a:solidFill>
+                <a:miter lim="800000"/>
+                <a:headEnd/>
+                <a:tailEnd/>
+              </a14:hiddenLine>
+            </a:ext>
+          </a:extLst>
+        </p:spPr>
+      </p:pic>
+      <p:cxnSp>
+        <p:nvCxnSpPr>
           <p:cNvPr id="5" name="Straight Arrow Connector 4"/>
           <p:cNvCxnSpPr/>
           <p:nvPr/>
@@ -3541,8 +3711,8 @@
         </p:nvSpPr>
         <p:spPr>
           <a:xfrm>
-            <a:off x="5868144" y="1463274"/>
-            <a:ext cx="2376264" cy="525566"/>
+            <a:off x="5508104" y="1412776"/>
+            <a:ext cx="2736304" cy="576064"/>
           </a:xfrm>
           <a:prstGeom prst="rect">
             <a:avLst/>
@@ -3585,7 +3755,7 @@
 </p:sld>
 </file>
 
-<file path=ppt/slides/slide2.xml><?xml version="1.0" encoding="utf-8"?>
+<file path=ppt/slides/slide3.xml><?xml version="1.0" encoding="utf-8"?>
 <p:sld xmlns:a="http://schemas.openxmlformats.org/drawingml/2006/main" xmlns:r="http://schemas.openxmlformats.org/officeDocument/2006/relationships" xmlns:p="http://schemas.openxmlformats.org/presentationml/2006/main">
   <p:cSld>
     <p:spTree>
@@ -4093,7 +4263,7 @@
 </p:sld>
 </file>
 
-<file path=ppt/slides/slide3.xml><?xml version="1.0" encoding="utf-8"?>
+<file path=ppt/slides/slide4.xml><?xml version="1.0" encoding="utf-8"?>
 <p:sld xmlns:a="http://schemas.openxmlformats.org/drawingml/2006/main" xmlns:r="http://schemas.openxmlformats.org/officeDocument/2006/relationships" xmlns:p="http://schemas.openxmlformats.org/presentationml/2006/main">
   <p:cSld>
     <p:spTree>
@@ -4335,7 +4505,7 @@
 </p:sld>
 </file>
 
-<file path=ppt/slides/slide4.xml><?xml version="1.0" encoding="utf-8"?>
+<file path=ppt/slides/slide5.xml><?xml version="1.0" encoding="utf-8"?>
 <p:sld xmlns:a="http://schemas.openxmlformats.org/drawingml/2006/main" xmlns:r="http://schemas.openxmlformats.org/officeDocument/2006/relationships" xmlns:p="http://schemas.openxmlformats.org/presentationml/2006/main">
   <p:cSld>
     <p:spTree>
